--- a/assets/slides_MAPS_2023.pptx
+++ b/assets/slides_MAPS_2023.pptx
@@ -1861,6 +1861,241 @@
           <a:bodyPr/>
           <a:lstStyle/>
           <a:p>
+            <a:pPr marL="0" marR="0" lvl="0" indent="0" algn="l" defTabSz="914400" rtl="0" eaLnBrk="0" fontAlgn="base" latinLnBrk="0" hangingPunct="0">
+              <a:lnSpc>
+                <a:spcPct val="100000"/>
+              </a:lnSpc>
+              <a:spcBef>
+                <a:spcPts val="0"/>
+              </a:spcBef>
+              <a:spcAft>
+                <a:spcPts val="0"/>
+              </a:spcAft>
+              <a:buClrTx/>
+              <a:buSzTx/>
+              <a:buFontTx/>
+              <a:buNone/>
+              <a:tabLst/>
+              <a:defRPr/>
+            </a:pPr>
+            <a:r>
+              <a:rPr lang="en-US" altLang="zh-CN" sz="1800" dirty="0">
+                <a:effectLst/>
+                <a:latin typeface="Calibri" panose="020F0502020204030204" pitchFamily="34" charset="0"/>
+                <a:ea typeface="DengXian" panose="02010600030101010101" pitchFamily="2" charset="-122"/>
+                <a:cs typeface="Times New Roman" panose="02020603050405020304" pitchFamily="18" charset="0"/>
+              </a:rPr>
+              <a:t>1</a:t>
+            </a:r>
+            <a:r>
+              <a:rPr lang="en-US" sz="1800" dirty="0">
+                <a:effectLst/>
+                <a:latin typeface="Calibri" panose="020F0502020204030204" pitchFamily="34" charset="0"/>
+                <a:ea typeface="DengXian" panose="02010600030101010101" pitchFamily="2" charset="-122"/>
+                <a:cs typeface="Times New Roman" panose="02020603050405020304" pitchFamily="18" charset="0"/>
+              </a:rPr>
+              <a:t>. I’m </a:t>
+            </a:r>
+            <a:r>
+              <a:rPr lang="en-US" sz="1800" dirty="0" err="1">
+                <a:effectLst/>
+                <a:latin typeface="Calibri" panose="020F0502020204030204" pitchFamily="34" charset="0"/>
+                <a:ea typeface="DengXian" panose="02010600030101010101" pitchFamily="2" charset="-122"/>
+                <a:cs typeface="Times New Roman" panose="02020603050405020304" pitchFamily="18" charset="0"/>
+              </a:rPr>
+              <a:t>Jie</a:t>
+            </a:r>
+            <a:r>
+              <a:rPr lang="en-US" sz="1800" dirty="0">
+                <a:effectLst/>
+                <a:latin typeface="Calibri" panose="020F0502020204030204" pitchFamily="34" charset="0"/>
+                <a:ea typeface="DengXian" panose="02010600030101010101" pitchFamily="2" charset="-122"/>
+                <a:cs typeface="Times New Roman" panose="02020603050405020304" pitchFamily="18" charset="0"/>
+              </a:rPr>
+              <a:t>, </a:t>
+            </a:r>
+            <a:r>
+              <a:rPr lang="en-US" altLang="zh-CN" sz="1800" dirty="0">
+                <a:effectLst/>
+                <a:latin typeface="Calibri" panose="020F0502020204030204" pitchFamily="34" charset="0"/>
+                <a:ea typeface="DengXian" panose="02010600030101010101" pitchFamily="2" charset="-122"/>
+                <a:cs typeface="Times New Roman" panose="02020603050405020304" pitchFamily="18" charset="0"/>
+              </a:rPr>
+              <a:t>and</a:t>
+            </a:r>
+            <a:r>
+              <a:rPr lang="zh-CN" altLang="en-US" sz="1800" dirty="0">
+                <a:effectLst/>
+                <a:latin typeface="Calibri" panose="020F0502020204030204" pitchFamily="34" charset="0"/>
+                <a:ea typeface="DengXian" panose="02010600030101010101" pitchFamily="2" charset="-122"/>
+                <a:cs typeface="Times New Roman" panose="02020603050405020304" pitchFamily="18" charset="0"/>
+              </a:rPr>
+              <a:t> </a:t>
+            </a:r>
+            <a:r>
+              <a:rPr lang="en-US" altLang="zh-CN" sz="1800" dirty="0">
+                <a:effectLst/>
+                <a:latin typeface="Calibri" panose="020F0502020204030204" pitchFamily="34" charset="0"/>
+                <a:ea typeface="DengXian" panose="02010600030101010101" pitchFamily="2" charset="-122"/>
+                <a:cs typeface="Times New Roman" panose="02020603050405020304" pitchFamily="18" charset="0"/>
+              </a:rPr>
+              <a:t>I’m</a:t>
+            </a:r>
+            <a:r>
+              <a:rPr lang="zh-CN" altLang="en-US" sz="1800" dirty="0">
+                <a:effectLst/>
+                <a:latin typeface="Calibri" panose="020F0502020204030204" pitchFamily="34" charset="0"/>
+                <a:ea typeface="DengXian" panose="02010600030101010101" pitchFamily="2" charset="-122"/>
+                <a:cs typeface="Times New Roman" panose="02020603050405020304" pitchFamily="18" charset="0"/>
+              </a:rPr>
+              <a:t> </a:t>
+            </a:r>
+            <a:r>
+              <a:rPr lang="en-US" altLang="zh-CN" sz="1800" dirty="0">
+                <a:effectLst/>
+                <a:latin typeface="Calibri" panose="020F0502020204030204" pitchFamily="34" charset="0"/>
+                <a:ea typeface="DengXian" panose="02010600030101010101" pitchFamily="2" charset="-122"/>
+                <a:cs typeface="Times New Roman" panose="02020603050405020304" pitchFamily="18" charset="0"/>
+              </a:rPr>
+              <a:t>glad</a:t>
+            </a:r>
+            <a:r>
+              <a:rPr lang="zh-CN" altLang="en-US" sz="1800" dirty="0">
+                <a:effectLst/>
+                <a:latin typeface="Calibri" panose="020F0502020204030204" pitchFamily="34" charset="0"/>
+                <a:ea typeface="DengXian" panose="02010600030101010101" pitchFamily="2" charset="-122"/>
+                <a:cs typeface="Times New Roman" panose="02020603050405020304" pitchFamily="18" charset="0"/>
+              </a:rPr>
+              <a:t> </a:t>
+            </a:r>
+            <a:r>
+              <a:rPr lang="en-US" altLang="zh-CN" sz="1800" dirty="0">
+                <a:effectLst/>
+                <a:latin typeface="Calibri" panose="020F0502020204030204" pitchFamily="34" charset="0"/>
+                <a:ea typeface="DengXian" panose="02010600030101010101" pitchFamily="2" charset="-122"/>
+                <a:cs typeface="Times New Roman" panose="02020603050405020304" pitchFamily="18" charset="0"/>
+              </a:rPr>
+              <a:t>to</a:t>
+            </a:r>
+            <a:r>
+              <a:rPr lang="zh-CN" altLang="en-US" sz="1800" dirty="0">
+                <a:effectLst/>
+                <a:latin typeface="Calibri" panose="020F0502020204030204" pitchFamily="34" charset="0"/>
+                <a:ea typeface="DengXian" panose="02010600030101010101" pitchFamily="2" charset="-122"/>
+                <a:cs typeface="Times New Roman" panose="02020603050405020304" pitchFamily="18" charset="0"/>
+              </a:rPr>
+              <a:t> </a:t>
+            </a:r>
+            <a:r>
+              <a:rPr lang="en-US" altLang="zh-CN" sz="1800" dirty="0">
+                <a:effectLst/>
+                <a:latin typeface="Calibri" panose="020F0502020204030204" pitchFamily="34" charset="0"/>
+                <a:ea typeface="DengXian" panose="02010600030101010101" pitchFamily="2" charset="-122"/>
+                <a:cs typeface="Times New Roman" panose="02020603050405020304" pitchFamily="18" charset="0"/>
+              </a:rPr>
+              <a:t>have</a:t>
+            </a:r>
+            <a:r>
+              <a:rPr lang="zh-CN" altLang="en-US" sz="1800" dirty="0">
+                <a:effectLst/>
+                <a:latin typeface="Calibri" panose="020F0502020204030204" pitchFamily="34" charset="0"/>
+                <a:ea typeface="DengXian" panose="02010600030101010101" pitchFamily="2" charset="-122"/>
+                <a:cs typeface="Times New Roman" panose="02020603050405020304" pitchFamily="18" charset="0"/>
+              </a:rPr>
+              <a:t> </a:t>
+            </a:r>
+            <a:r>
+              <a:rPr lang="en-US" altLang="zh-CN" sz="1800" dirty="0">
+                <a:effectLst/>
+                <a:latin typeface="Calibri" panose="020F0502020204030204" pitchFamily="34" charset="0"/>
+                <a:ea typeface="DengXian" panose="02010600030101010101" pitchFamily="2" charset="-122"/>
+                <a:cs typeface="Times New Roman" panose="02020603050405020304" pitchFamily="18" charset="0"/>
+              </a:rPr>
+              <a:t>the</a:t>
+            </a:r>
+            <a:r>
+              <a:rPr lang="zh-CN" altLang="en-US" sz="1800" dirty="0">
+                <a:effectLst/>
+                <a:latin typeface="Calibri" panose="020F0502020204030204" pitchFamily="34" charset="0"/>
+                <a:ea typeface="DengXian" panose="02010600030101010101" pitchFamily="2" charset="-122"/>
+                <a:cs typeface="Times New Roman" panose="02020603050405020304" pitchFamily="18" charset="0"/>
+              </a:rPr>
+              <a:t> </a:t>
+            </a:r>
+            <a:r>
+              <a:rPr lang="en-US" altLang="zh-CN" sz="1800" dirty="0">
+                <a:effectLst/>
+                <a:latin typeface="Calibri" panose="020F0502020204030204" pitchFamily="34" charset="0"/>
+                <a:ea typeface="DengXian" panose="02010600030101010101" pitchFamily="2" charset="-122"/>
+                <a:cs typeface="Times New Roman" panose="02020603050405020304" pitchFamily="18" charset="0"/>
+              </a:rPr>
+              <a:t>chance</a:t>
+            </a:r>
+            <a:r>
+              <a:rPr lang="zh-CN" altLang="en-US" sz="1800" dirty="0">
+                <a:effectLst/>
+                <a:latin typeface="Calibri" panose="020F0502020204030204" pitchFamily="34" charset="0"/>
+                <a:ea typeface="DengXian" panose="02010600030101010101" pitchFamily="2" charset="-122"/>
+                <a:cs typeface="Times New Roman" panose="02020603050405020304" pitchFamily="18" charset="0"/>
+              </a:rPr>
+              <a:t> </a:t>
+            </a:r>
+            <a:r>
+              <a:rPr lang="en-US" altLang="zh-CN" sz="1800" dirty="0">
+                <a:effectLst/>
+                <a:latin typeface="Calibri" panose="020F0502020204030204" pitchFamily="34" charset="0"/>
+                <a:ea typeface="DengXian" panose="02010600030101010101" pitchFamily="2" charset="-122"/>
+                <a:cs typeface="Times New Roman" panose="02020603050405020304" pitchFamily="18" charset="0"/>
+              </a:rPr>
+              <a:t>to</a:t>
+            </a:r>
+            <a:r>
+              <a:rPr lang="zh-CN" altLang="en-US" sz="1800" dirty="0">
+                <a:effectLst/>
+                <a:latin typeface="Calibri" panose="020F0502020204030204" pitchFamily="34" charset="0"/>
+                <a:ea typeface="DengXian" panose="02010600030101010101" pitchFamily="2" charset="-122"/>
+                <a:cs typeface="Times New Roman" panose="02020603050405020304" pitchFamily="18" charset="0"/>
+              </a:rPr>
+              <a:t> </a:t>
+            </a:r>
+            <a:r>
+              <a:rPr lang="en-US" altLang="zh-CN" sz="1800" dirty="0">
+                <a:effectLst/>
+                <a:latin typeface="Calibri" panose="020F0502020204030204" pitchFamily="34" charset="0"/>
+                <a:ea typeface="DengXian" panose="02010600030101010101" pitchFamily="2" charset="-122"/>
+                <a:cs typeface="Times New Roman" panose="02020603050405020304" pitchFamily="18" charset="0"/>
+              </a:rPr>
+              <a:t>present</a:t>
+            </a:r>
+            <a:r>
+              <a:rPr lang="zh-CN" altLang="en-US" sz="1800" dirty="0">
+                <a:effectLst/>
+                <a:latin typeface="Calibri" panose="020F0502020204030204" pitchFamily="34" charset="0"/>
+                <a:ea typeface="DengXian" panose="02010600030101010101" pitchFamily="2" charset="-122"/>
+                <a:cs typeface="Times New Roman" panose="02020603050405020304" pitchFamily="18" charset="0"/>
+              </a:rPr>
+              <a:t> </a:t>
+            </a:r>
+            <a:r>
+              <a:rPr lang="en-US" altLang="zh-CN" sz="1800" dirty="0">
+                <a:effectLst/>
+                <a:latin typeface="Calibri" panose="020F0502020204030204" pitchFamily="34" charset="0"/>
+                <a:ea typeface="DengXian" panose="02010600030101010101" pitchFamily="2" charset="-122"/>
+                <a:cs typeface="Times New Roman" panose="02020603050405020304" pitchFamily="18" charset="0"/>
+              </a:rPr>
+              <a:t>here.</a:t>
+            </a:r>
+            <a:r>
+              <a:rPr lang="en-US" sz="1800" dirty="0">
+                <a:effectLst/>
+                <a:latin typeface="Calibri" panose="020F0502020204030204" pitchFamily="34" charset="0"/>
+                <a:ea typeface="DengXian" panose="02010600030101010101" pitchFamily="2" charset="-122"/>
+                <a:cs typeface="Times New Roman" panose="02020603050405020304" pitchFamily="18" charset="0"/>
+              </a:rPr>
+              <a:t> this work is started near the end of my PhD at GWU, and I will be a postdoc at UBC. In this work, I would like to argue that LLM should ask more clarifying questions to increase confidence in code generation.</a:t>
+            </a:r>
+          </a:p>
+          <a:p>
             <a:pPr marL="0" marR="0">
               <a:spcBef>
                 <a:spcPts val="0"/>
@@ -1957,6 +2192,122 @@
           <a:bodyPr/>
           <a:lstStyle/>
           <a:p>
+            <a:pPr marL="0" marR="0" lvl="0" indent="0" algn="l" defTabSz="914400" rtl="0" eaLnBrk="0" fontAlgn="base" latinLnBrk="0" hangingPunct="0">
+              <a:lnSpc>
+                <a:spcPct val="100000"/>
+              </a:lnSpc>
+              <a:spcBef>
+                <a:spcPct val="30000"/>
+              </a:spcBef>
+              <a:spcAft>
+                <a:spcPct val="0"/>
+              </a:spcAft>
+              <a:buClrTx/>
+              <a:buSzTx/>
+              <a:buFontTx/>
+              <a:buNone/>
+              <a:tabLst/>
+              <a:defRPr/>
+            </a:pPr>
+            <a:r>
+              <a:rPr lang="en-US" sz="1800" dirty="0">
+                <a:effectLst/>
+                <a:latin typeface="Calibri" panose="020F0502020204030204" pitchFamily="34" charset="0"/>
+                <a:ea typeface="DengXian" panose="02010600030101010101" pitchFamily="2" charset="-122"/>
+                <a:cs typeface="Times New Roman" panose="02020603050405020304" pitchFamily="18" charset="0"/>
+              </a:rPr>
+              <a:t>10. Specifically, for the </a:t>
+            </a:r>
+            <a:r>
+              <a:rPr lang="en-US" sz="1800" dirty="0" err="1">
+                <a:effectLst/>
+                <a:latin typeface="Calibri" panose="020F0502020204030204" pitchFamily="34" charset="0"/>
+                <a:ea typeface="DengXian" panose="02010600030101010101" pitchFamily="2" charset="-122"/>
+                <a:cs typeface="Times New Roman" panose="02020603050405020304" pitchFamily="18" charset="0"/>
+              </a:rPr>
+              <a:t>HumanEval</a:t>
+            </a:r>
+            <a:r>
+              <a:rPr lang="en-US" sz="1800" dirty="0">
+                <a:effectLst/>
+                <a:latin typeface="Calibri" panose="020F0502020204030204" pitchFamily="34" charset="0"/>
+                <a:ea typeface="DengXian" panose="02010600030101010101" pitchFamily="2" charset="-122"/>
+                <a:cs typeface="Times New Roman" panose="02020603050405020304" pitchFamily="18" charset="0"/>
+              </a:rPr>
+              <a:t>-C benchmark, I randomly remove X% of consecutive words from the original problem description in </a:t>
+            </a:r>
+            <a:r>
+              <a:rPr lang="en-US" sz="1800" dirty="0" err="1">
+                <a:effectLst/>
+                <a:latin typeface="Calibri" panose="020F0502020204030204" pitchFamily="34" charset="0"/>
+                <a:ea typeface="DengXian" panose="02010600030101010101" pitchFamily="2" charset="-122"/>
+                <a:cs typeface="Times New Roman" panose="02020603050405020304" pitchFamily="18" charset="0"/>
+              </a:rPr>
+              <a:t>HumanEval</a:t>
+            </a:r>
+            <a:r>
+              <a:rPr lang="en-US" sz="1800" dirty="0">
+                <a:effectLst/>
+                <a:latin typeface="Calibri" panose="020F0502020204030204" pitchFamily="34" charset="0"/>
+                <a:ea typeface="DengXian" panose="02010600030101010101" pitchFamily="2" charset="-122"/>
+                <a:cs typeface="Times New Roman" panose="02020603050405020304" pitchFamily="18" charset="0"/>
+              </a:rPr>
+              <a:t> dataset. Then given the input, the LLM generates results. </a:t>
+            </a:r>
+            <a:r>
+              <a:rPr lang="en-US" sz="1800" dirty="0">
+                <a:solidFill>
+                  <a:srgbClr val="000000"/>
+                </a:solidFill>
+                <a:effectLst/>
+                <a:latin typeface="Times New Roman" panose="02020603050405020304" pitchFamily="18" charset="0"/>
+                <a:ea typeface="Times New Roman" panose="02020603050405020304" pitchFamily="18" charset="0"/>
+                <a:cs typeface="Times New Roman" panose="02020603050405020304" pitchFamily="18" charset="0"/>
+              </a:rPr>
+              <a:t>An example of input is shown on the left </a:t>
+            </a:r>
+            <a:r>
+              <a:rPr lang="en-US" sz="1800" dirty="0">
+                <a:effectLst/>
+                <a:latin typeface="Calibri" panose="020F0502020204030204" pitchFamily="34" charset="0"/>
+                <a:ea typeface="DengXian" panose="02010600030101010101" pitchFamily="2" charset="-122"/>
+                <a:cs typeface="Times New Roman" panose="02020603050405020304" pitchFamily="18" charset="0"/>
+              </a:rPr>
+              <a:t>side. The model either outputs some clarifying questions or still outputs code which is not good given some information is missing in the input.</a:t>
+            </a:r>
+          </a:p>
+          <a:p>
+            <a:endParaRPr lang="en-US" altLang="zh-CN" dirty="0"/>
+          </a:p>
+          <a:p>
+            <a:pPr marL="0" marR="0" lvl="0" indent="0" algn="l" defTabSz="914400" rtl="0" eaLnBrk="0" fontAlgn="base" latinLnBrk="0" hangingPunct="0">
+              <a:lnSpc>
+                <a:spcPct val="100000"/>
+              </a:lnSpc>
+              <a:spcBef>
+                <a:spcPct val="30000"/>
+              </a:spcBef>
+              <a:spcAft>
+                <a:spcPct val="0"/>
+              </a:spcAft>
+              <a:buClrTx/>
+              <a:buSzTx/>
+              <a:buFontTx/>
+              <a:buNone/>
+              <a:tabLst/>
+              <a:defRPr/>
+            </a:pPr>
+            <a:r>
+              <a:rPr lang="en-US" sz="1800" dirty="0">
+                <a:effectLst/>
+                <a:latin typeface="Calibri" panose="020F0502020204030204" pitchFamily="34" charset="0"/>
+                <a:ea typeface="DengXian" panose="02010600030101010101" pitchFamily="2" charset="-122"/>
+                <a:cs typeface="Times New Roman" panose="02020603050405020304" pitchFamily="18" charset="0"/>
+              </a:rPr>
+              <a:t>Two metrics are used in evaluation. First is the commonly used test pass rate. Second is the communication rate defined as number of output with no code over total number of problems. So the higher the comm rate, the better. </a:t>
+            </a:r>
+          </a:p>
+          <a:p>
             <a:endParaRPr lang="en-US" altLang="zh-CN" dirty="0"/>
           </a:p>
         </p:txBody>
@@ -2041,6 +2392,63 @@
         <p:txBody>
           <a:bodyPr/>
           <a:lstStyle/>
+          <a:p>
+            <a:pPr marL="0" marR="0">
+              <a:spcBef>
+                <a:spcPts val="0"/>
+              </a:spcBef>
+              <a:spcAft>
+                <a:spcPts val="0"/>
+              </a:spcAft>
+            </a:pPr>
+            <a:r>
+              <a:rPr lang="en-US" sz="1800" dirty="0">
+                <a:effectLst/>
+                <a:latin typeface="Calibri" panose="020F0502020204030204" pitchFamily="34" charset="0"/>
+                <a:ea typeface="DengXian" panose="02010600030101010101" pitchFamily="2" charset="-122"/>
+                <a:cs typeface="Times New Roman" panose="02020603050405020304" pitchFamily="18" charset="0"/>
+              </a:rPr>
+              <a:t>11. Here is the plot of comm rate for different X. The blue line is ChatGPT 3.5, the red line is hypothetical estimate of top-notch software engineer. We can see that when 30% and 50% of problem description is removed, the comm rate is only less than 10%. When x is increased to 90%, the comm rate increased to 55%. This shows… </a:t>
+            </a:r>
+          </a:p>
+          <a:p>
+            <a:pPr marL="0" marR="0">
+              <a:spcBef>
+                <a:spcPts val="0"/>
+              </a:spcBef>
+              <a:spcAft>
+                <a:spcPts val="0"/>
+              </a:spcAft>
+            </a:pPr>
+            <a:r>
+              <a:rPr lang="en-US" sz="1800" dirty="0">
+                <a:effectLst/>
+                <a:latin typeface="Calibri" panose="020F0502020204030204" pitchFamily="34" charset="0"/>
+                <a:ea typeface="DengXian" panose="02010600030101010101" pitchFamily="2" charset="-122"/>
+                <a:cs typeface="Times New Roman" panose="02020603050405020304" pitchFamily="18" charset="0"/>
+              </a:rPr>
+              <a:t> </a:t>
+            </a:r>
+          </a:p>
+          <a:p>
+            <a:pPr marL="0" marR="0">
+              <a:spcBef>
+                <a:spcPts val="0"/>
+              </a:spcBef>
+              <a:spcAft>
+                <a:spcPts val="0"/>
+              </a:spcAft>
+            </a:pPr>
+            <a:r>
+              <a:rPr lang="en-US" sz="1800" dirty="0">
+                <a:effectLst/>
+                <a:latin typeface="Calibri" panose="020F0502020204030204" pitchFamily="34" charset="0"/>
+                <a:ea typeface="DengXian" panose="02010600030101010101" pitchFamily="2" charset="-122"/>
+                <a:cs typeface="Times New Roman" panose="02020603050405020304" pitchFamily="18" charset="0"/>
+              </a:rPr>
+              <a:t>Another finding is that changing parameters such as temperature or using model such as gpt4 didn’t help much. But the new comm centered process increased comm rate from 5% to 64% when x=50%</a:t>
+            </a:r>
+          </a:p>
           <a:p>
             <a:pPr marL="171450" indent="-171450">
               <a:buFont typeface="Arial" panose="020B0604020202020204" pitchFamily="34" charset="0"/>
@@ -2135,6 +2543,99 @@
           </a:bodyPr>
           <a:lstStyle/>
           <a:p>
+            <a:pPr marL="0" marR="0">
+              <a:spcBef>
+                <a:spcPts val="0"/>
+              </a:spcBef>
+              <a:spcAft>
+                <a:spcPts val="0"/>
+              </a:spcAft>
+            </a:pPr>
+            <a:r>
+              <a:rPr lang="en-US" sz="1800" dirty="0">
+                <a:effectLst/>
+                <a:latin typeface="Calibri" panose="020F0502020204030204" pitchFamily="34" charset="0"/>
+                <a:ea typeface="DengXian" panose="02010600030101010101" pitchFamily="2" charset="-122"/>
+                <a:cs typeface="Times New Roman" panose="02020603050405020304" pitchFamily="18" charset="0"/>
+              </a:rPr>
+              <a:t>12. To conclude, I argue that based on the evaluation, … not only to increase quality of generated code, but as described in the quote in green, asking a good question is valuable itself because it shows </a:t>
+            </a:r>
+            <a:r>
+              <a:rPr lang="en-US" sz="1800" dirty="0" err="1">
+                <a:effectLst/>
+                <a:latin typeface="Calibri" panose="020F0502020204030204" pitchFamily="34" charset="0"/>
+                <a:ea typeface="DengXian" panose="02010600030101010101" pitchFamily="2" charset="-122"/>
+                <a:cs typeface="Times New Roman" panose="02020603050405020304" pitchFamily="18" charset="0"/>
+              </a:rPr>
+              <a:t>llm</a:t>
+            </a:r>
+            <a:r>
+              <a:rPr lang="en-US" sz="1800" dirty="0">
+                <a:effectLst/>
+                <a:latin typeface="Calibri" panose="020F0502020204030204" pitchFamily="34" charset="0"/>
+                <a:ea typeface="DengXian" panose="02010600030101010101" pitchFamily="2" charset="-122"/>
+                <a:cs typeface="Times New Roman" panose="02020603050405020304" pitchFamily="18" charset="0"/>
+              </a:rPr>
+              <a:t> is rigorous and trustworthy. </a:t>
+            </a:r>
+          </a:p>
+          <a:p>
+            <a:pPr marL="0" marR="0">
+              <a:spcBef>
+                <a:spcPts val="0"/>
+              </a:spcBef>
+              <a:spcAft>
+                <a:spcPts val="0"/>
+              </a:spcAft>
+            </a:pPr>
+            <a:r>
+              <a:rPr lang="en-US" sz="1800" dirty="0">
+                <a:effectLst/>
+                <a:latin typeface="Calibri" panose="020F0502020204030204" pitchFamily="34" charset="0"/>
+                <a:ea typeface="DengXian" panose="02010600030101010101" pitchFamily="2" charset="-122"/>
+                <a:cs typeface="Times New Roman" panose="02020603050405020304" pitchFamily="18" charset="0"/>
+              </a:rPr>
+              <a:t> </a:t>
+            </a:r>
+          </a:p>
+          <a:p>
+            <a:pPr marL="0" marR="0">
+              <a:spcBef>
+                <a:spcPts val="0"/>
+              </a:spcBef>
+              <a:spcAft>
+                <a:spcPts val="0"/>
+              </a:spcAft>
+            </a:pPr>
+            <a:r>
+              <a:rPr lang="en-US" sz="1800" dirty="0">
+                <a:effectLst/>
+                <a:latin typeface="Calibri" panose="020F0502020204030204" pitchFamily="34" charset="0"/>
+                <a:ea typeface="DengXian" panose="02010600030101010101" pitchFamily="2" charset="-122"/>
+                <a:cs typeface="Times New Roman" panose="02020603050405020304" pitchFamily="18" charset="0"/>
+              </a:rPr>
+              <a:t>In evaluation, the current Code LLM is very weak at asking clarifying questions when it’s indeed necessary. The graph shows a big gap and many research opportunities to push the blue line of </a:t>
+            </a:r>
+            <a:r>
+              <a:rPr lang="en-US" sz="1800" dirty="0" err="1">
+                <a:effectLst/>
+                <a:latin typeface="Calibri" panose="020F0502020204030204" pitchFamily="34" charset="0"/>
+                <a:ea typeface="DengXian" panose="02010600030101010101" pitchFamily="2" charset="-122"/>
+                <a:cs typeface="Times New Roman" panose="02020603050405020304" pitchFamily="18" charset="0"/>
+              </a:rPr>
+              <a:t>llm</a:t>
+            </a:r>
+            <a:r>
+              <a:rPr lang="en-US" sz="1800" dirty="0">
+                <a:effectLst/>
+                <a:latin typeface="Calibri" panose="020F0502020204030204" pitchFamily="34" charset="0"/>
+                <a:ea typeface="DengXian" panose="02010600030101010101" pitchFamily="2" charset="-122"/>
+                <a:cs typeface="Times New Roman" panose="02020603050405020304" pitchFamily="18" charset="0"/>
+              </a:rPr>
+              <a:t> toward the red lines. Besides the model, there is also opportunity to improve the evaluation of communications in LLMs. The benchmark and preprint will be available to support other researchers interested in this topic. Thank you.</a:t>
+            </a:r>
+          </a:p>
+          <a:p>
             <a:pPr marL="914400" lvl="1" indent="-171450">
               <a:buFont typeface="Arial" panose="020B0604020202020204" pitchFamily="34" charset="0"/>
               <a:buChar char="•"/>
@@ -2243,6 +2744,34 @@
               <a:tabLst/>
               <a:defRPr/>
             </a:pPr>
+            <a:r>
+              <a:rPr lang="en-US" sz="1800" dirty="0">
+                <a:effectLst/>
+                <a:latin typeface="Calibri" panose="020F0502020204030204" pitchFamily="34" charset="0"/>
+                <a:ea typeface="DengXian" panose="02010600030101010101" pitchFamily="2" charset="-122"/>
+                <a:cs typeface="Times New Roman" panose="02020603050405020304" pitchFamily="18" charset="0"/>
+              </a:rPr>
+              <a:t>2. As you all know, we are entering a new era of programming where we have LLMs as programmer’s assistant to enhance productivity. However, there is still a substantial gap between LLM as a code generation tool and the software engineer whose responsibility is beyond writing code. This includes effective communications, requirements, design decisions, domain knowledge, etc. So, the current LLMs cannot fully replace professional software developers.</a:t>
+            </a:r>
+          </a:p>
+          <a:p>
+            <a:pPr marL="0" marR="0" lvl="0" indent="0" algn="l" defTabSz="914400" rtl="0" eaLnBrk="0" fontAlgn="base" latinLnBrk="0" hangingPunct="0">
+              <a:lnSpc>
+                <a:spcPct val="100000"/>
+              </a:lnSpc>
+              <a:spcBef>
+                <a:spcPct val="30000"/>
+              </a:spcBef>
+              <a:spcAft>
+                <a:spcPct val="0"/>
+              </a:spcAft>
+              <a:buClrTx/>
+              <a:buSzTx/>
+              <a:buFontTx/>
+              <a:buNone/>
+              <a:tabLst/>
+              <a:defRPr/>
+            </a:pPr>
             <a:endParaRPr lang="en-US" dirty="0"/>
           </a:p>
         </p:txBody>
@@ -2330,6 +2859,83 @@
           </a:bodyPr>
           <a:lstStyle/>
           <a:p>
+            <a:pPr marL="0" marR="0">
+              <a:spcBef>
+                <a:spcPts val="0"/>
+              </a:spcBef>
+              <a:spcAft>
+                <a:spcPts val="0"/>
+              </a:spcAft>
+            </a:pPr>
+            <a:r>
+              <a:rPr lang="en-US" sz="1200" dirty="0">
+                <a:effectLst/>
+                <a:latin typeface="Calibri" panose="020F0502020204030204" pitchFamily="34" charset="0"/>
+                <a:ea typeface="DengXian" panose="02010600030101010101" pitchFamily="2" charset="-122"/>
+                <a:cs typeface="Times New Roman" panose="02020603050405020304" pitchFamily="18" charset="0"/>
+              </a:rPr>
+              <a:t>3. There are several reported issues in LLM as programmer’s assistants. This include lack of Intent specification, problem decomposition and computational thinking. The end-users have to specify intent in natural language, and have the ability to decompose problems into subproblems. </a:t>
+            </a:r>
+          </a:p>
+          <a:p>
+            <a:pPr marL="0" marR="0">
+              <a:spcBef>
+                <a:spcPts val="0"/>
+              </a:spcBef>
+              <a:spcAft>
+                <a:spcPts val="0"/>
+              </a:spcAft>
+            </a:pPr>
+            <a:r>
+              <a:rPr lang="en-US" sz="1200" dirty="0">
+                <a:effectLst/>
+                <a:latin typeface="Calibri" panose="020F0502020204030204" pitchFamily="34" charset="0"/>
+                <a:ea typeface="DengXian" panose="02010600030101010101" pitchFamily="2" charset="-122"/>
+                <a:cs typeface="Times New Roman" panose="02020603050405020304" pitchFamily="18" charset="0"/>
+              </a:rPr>
+              <a:t>A second category of issue is in code quality and overconfidence of model prediction, which lead to incorrect code, bugs being introduced and more time spend in checking the code and finding bugs.</a:t>
+            </a:r>
+          </a:p>
+          <a:p>
+            <a:pPr marL="0" marR="0">
+              <a:spcBef>
+                <a:spcPts val="0"/>
+              </a:spcBef>
+              <a:spcAft>
+                <a:spcPts val="0"/>
+              </a:spcAft>
+            </a:pPr>
+            <a:r>
+              <a:rPr lang="en-US" sz="1200" dirty="0">
+                <a:effectLst/>
+                <a:latin typeface="Calibri" panose="020F0502020204030204" pitchFamily="34" charset="0"/>
+                <a:ea typeface="DengXian" panose="02010600030101010101" pitchFamily="2" charset="-122"/>
+                <a:cs typeface="Times New Roman" panose="02020603050405020304" pitchFamily="18" charset="0"/>
+              </a:rPr>
+              <a:t>A third category of issue is usability issues, such as having trouble controlling and using the tool to generate reliable and useful code.</a:t>
+            </a:r>
+          </a:p>
+          <a:p>
+            <a:pPr marL="0" marR="0" lvl="0" indent="0" algn="l" defTabSz="914400" rtl="0" eaLnBrk="0" fontAlgn="base" latinLnBrk="0" hangingPunct="0">
+              <a:lnSpc>
+                <a:spcPct val="100000"/>
+              </a:lnSpc>
+              <a:spcBef>
+                <a:spcPct val="30000"/>
+              </a:spcBef>
+              <a:spcAft>
+                <a:spcPct val="0"/>
+              </a:spcAft>
+              <a:buClrTx/>
+              <a:buSzTx/>
+              <a:buFontTx/>
+              <a:buNone/>
+              <a:tabLst/>
+              <a:defRPr/>
+            </a:pPr>
+            <a:endParaRPr lang="en-US" dirty="0"/>
+          </a:p>
+          <a:p>
             <a:pPr marL="0" marR="0" lvl="0" indent="0" algn="l" defTabSz="914400" rtl="0" eaLnBrk="0" fontAlgn="base" latinLnBrk="0" hangingPunct="0">
               <a:lnSpc>
                 <a:spcPct val="100000"/>
@@ -2434,6 +3040,168 @@
           </a:bodyPr>
           <a:lstStyle/>
           <a:p>
+            <a:pPr marL="0" marR="0">
+              <a:spcBef>
+                <a:spcPts val="0"/>
+              </a:spcBef>
+              <a:spcAft>
+                <a:spcPts val="0"/>
+              </a:spcAft>
+            </a:pPr>
+            <a:r>
+              <a:rPr lang="en-US" sz="1200" dirty="0">
+                <a:effectLst/>
+                <a:latin typeface="Calibri" panose="020F0502020204030204" pitchFamily="34" charset="0"/>
+                <a:ea typeface="DengXian" panose="02010600030101010101" pitchFamily="2" charset="-122"/>
+                <a:cs typeface="Times New Roman" panose="02020603050405020304" pitchFamily="18" charset="0"/>
+              </a:rPr>
+              <a:t>4. In this work, I look into the issues from a different angle. I’m interested in applying the communication lens to bridge this gap between LLM and software engineer. The leading question is - Does asking clarifying questions increases confidence in code generation? Let’s take a step back to compare the comm. Skill of software engineer and LLM. </a:t>
+            </a:r>
+          </a:p>
+          <a:p>
+            <a:pPr marL="0" marR="0">
+              <a:spcBef>
+                <a:spcPts val="0"/>
+              </a:spcBef>
+              <a:spcAft>
+                <a:spcPts val="0"/>
+              </a:spcAft>
+            </a:pPr>
+            <a:r>
+              <a:rPr lang="en-US" sz="1200" dirty="0">
+                <a:effectLst/>
+                <a:latin typeface="Calibri" panose="020F0502020204030204" pitchFamily="34" charset="0"/>
+                <a:ea typeface="DengXian" panose="02010600030101010101" pitchFamily="2" charset="-122"/>
+                <a:cs typeface="Times New Roman" panose="02020603050405020304" pitchFamily="18" charset="0"/>
+              </a:rPr>
+              <a:t>- For a professional software engineer: </a:t>
+            </a:r>
+          </a:p>
+          <a:p>
+            <a:pPr marL="342900" marR="0" lvl="0" indent="-342900">
+              <a:spcBef>
+                <a:spcPts val="0"/>
+              </a:spcBef>
+              <a:spcAft>
+                <a:spcPts val="0"/>
+              </a:spcAft>
+              <a:buFont typeface="Arial" panose="020B0604020202020204" pitchFamily="34" charset="0"/>
+              <a:buChar char="•"/>
+              <a:tabLst>
+                <a:tab pos="457200" algn="l"/>
+              </a:tabLst>
+            </a:pPr>
+            <a:r>
+              <a:rPr lang="en-US" sz="1200" dirty="0">
+                <a:effectLst/>
+                <a:latin typeface="Calibri" panose="020F0502020204030204" pitchFamily="34" charset="0"/>
+                <a:ea typeface="DengXian" panose="02010600030101010101" pitchFamily="2" charset="-122"/>
+                <a:cs typeface="Times New Roman" panose="02020603050405020304" pitchFamily="18" charset="0"/>
+              </a:rPr>
+              <a:t>Proactive and effective communication is a critical skill in practice to finish their software engineering tasks reliably with high quality</a:t>
+            </a:r>
+          </a:p>
+          <a:p>
+            <a:pPr marL="342900" marR="0" lvl="0" indent="-342900">
+              <a:spcBef>
+                <a:spcPts val="0"/>
+              </a:spcBef>
+              <a:spcAft>
+                <a:spcPts val="0"/>
+              </a:spcAft>
+              <a:buFont typeface="Arial" panose="020B0604020202020204" pitchFamily="34" charset="0"/>
+              <a:buChar char="•"/>
+              <a:tabLst>
+                <a:tab pos="457200" algn="l"/>
+              </a:tabLst>
+            </a:pPr>
+            <a:r>
+              <a:rPr lang="en-US" sz="1200" dirty="0">
+                <a:effectLst/>
+                <a:latin typeface="Calibri" panose="020F0502020204030204" pitchFamily="34" charset="0"/>
+                <a:ea typeface="DengXian" panose="02010600030101010101" pitchFamily="2" charset="-122"/>
+                <a:cs typeface="Times New Roman" panose="02020603050405020304" pitchFamily="18" charset="0"/>
+              </a:rPr>
+              <a:t>They use various ways of communication, such as asking more questions in 1:1 conversations, group meetings, and Slack channels to get more information and reduce ambiguity about their tasks.</a:t>
+            </a:r>
+          </a:p>
+          <a:p>
+            <a:pPr marL="0" marR="0">
+              <a:spcBef>
+                <a:spcPts val="0"/>
+              </a:spcBef>
+              <a:spcAft>
+                <a:spcPts val="0"/>
+              </a:spcAft>
+            </a:pPr>
+            <a:r>
+              <a:rPr lang="en-US" sz="1200" dirty="0">
+                <a:effectLst/>
+                <a:latin typeface="Calibri" panose="020F0502020204030204" pitchFamily="34" charset="0"/>
+                <a:ea typeface="DengXian" panose="02010600030101010101" pitchFamily="2" charset="-122"/>
+                <a:cs typeface="Times New Roman" panose="02020603050405020304" pitchFamily="18" charset="0"/>
+              </a:rPr>
+              <a:t>-As for LLMs:</a:t>
+            </a:r>
+          </a:p>
+          <a:p>
+            <a:pPr marL="342900" marR="0" lvl="0" indent="-342900">
+              <a:spcBef>
+                <a:spcPts val="0"/>
+              </a:spcBef>
+              <a:spcAft>
+                <a:spcPts val="0"/>
+              </a:spcAft>
+              <a:buFont typeface="Arial" panose="020B0604020202020204" pitchFamily="34" charset="0"/>
+              <a:buChar char="•"/>
+              <a:tabLst>
+                <a:tab pos="457200" algn="l"/>
+              </a:tabLst>
+            </a:pPr>
+            <a:r>
+              <a:rPr lang="en-US" sz="1200" dirty="0">
+                <a:effectLst/>
+                <a:latin typeface="Calibri" panose="020F0502020204030204" pitchFamily="34" charset="0"/>
+                <a:ea typeface="DengXian" panose="02010600030101010101" pitchFamily="2" charset="-122"/>
+                <a:cs typeface="Times New Roman" panose="02020603050405020304" pitchFamily="18" charset="0"/>
+              </a:rPr>
+              <a:t>The level of communication skills is rarely emphasized or evaluated in the field of code generation</a:t>
+            </a:r>
+          </a:p>
+          <a:p>
+            <a:pPr marL="342900" marR="0" lvl="0" indent="-342900">
+              <a:spcBef>
+                <a:spcPts val="0"/>
+              </a:spcBef>
+              <a:spcAft>
+                <a:spcPts val="0"/>
+              </a:spcAft>
+              <a:buFont typeface="Arial" panose="020B0604020202020204" pitchFamily="34" charset="0"/>
+              <a:buChar char="•"/>
+              <a:tabLst>
+                <a:tab pos="457200" algn="l"/>
+              </a:tabLst>
+            </a:pPr>
+            <a:r>
+              <a:rPr lang="en-US" sz="1200" dirty="0">
+                <a:effectLst/>
+                <a:latin typeface="Calibri" panose="020F0502020204030204" pitchFamily="34" charset="0"/>
+                <a:ea typeface="DengXian" panose="02010600030101010101" pitchFamily="2" charset="-122"/>
+                <a:cs typeface="Times New Roman" panose="02020603050405020304" pitchFamily="18" charset="0"/>
+              </a:rPr>
+              <a:t>In the code generation benchmark, typically the problem descriptions are one-off input. Based on the one-off input, the current LLMs are evaluated by generated code in one or multiple attempts, without additional conversational inputs</a:t>
+            </a:r>
+          </a:p>
+          <a:p>
+            <a:pPr marL="0" indent="0">
+              <a:buFont typeface="Arial" panose="020B0604020202020204" pitchFamily="34" charset="0"/>
+              <a:buNone/>
+            </a:pPr>
+            <a:endParaRPr lang="en-US" sz="1100" dirty="0">
+              <a:latin typeface="+mj-lt"/>
+            </a:endParaRPr>
+          </a:p>
+          <a:p>
             <a:pPr marL="0" marR="0" lvl="0" indent="0" algn="l" defTabSz="914400" rtl="0" eaLnBrk="0" fontAlgn="base" latinLnBrk="0" hangingPunct="0">
               <a:lnSpc>
                 <a:spcPct val="100000"/>
@@ -2534,9 +3302,47 @@
         <p:spPr/>
         <p:txBody>
           <a:bodyPr>
-            <a:normAutofit/>
+            <a:normAutofit fontScale="85000" lnSpcReduction="20000"/>
           </a:bodyPr>
           <a:lstStyle/>
+          <a:p>
+            <a:pPr marL="0" marR="0">
+              <a:spcBef>
+                <a:spcPts val="0"/>
+              </a:spcBef>
+              <a:spcAft>
+                <a:spcPts val="0"/>
+              </a:spcAft>
+            </a:pPr>
+            <a:r>
+              <a:rPr lang="en-US" sz="1800" dirty="0">
+                <a:effectLst/>
+                <a:latin typeface="Calibri" panose="020F0502020204030204" pitchFamily="34" charset="0"/>
+                <a:ea typeface="DengXian" panose="02010600030101010101" pitchFamily="2" charset="-122"/>
+                <a:cs typeface="Times New Roman" panose="02020603050405020304" pitchFamily="18" charset="0"/>
+              </a:rPr>
+              <a:t>5. Inspired by this comparison, in this work, I study the potential of LLMs from the dimension of effective communication skills. I explore a comm-centered process that is formed by 2 LLMs to ask more clarifying questions to refine the code.</a:t>
+            </a:r>
+          </a:p>
+          <a:p>
+            <a:pPr marL="0" marR="0">
+              <a:spcBef>
+                <a:spcPts val="0"/>
+              </a:spcBef>
+              <a:spcAft>
+                <a:spcPts val="0"/>
+              </a:spcAft>
+            </a:pPr>
+            <a:r>
+              <a:rPr lang="en-US" sz="1800" dirty="0">
+                <a:effectLst/>
+                <a:latin typeface="Calibri" panose="020F0502020204030204" pitchFamily="34" charset="0"/>
+                <a:ea typeface="DengXian" panose="02010600030101010101" pitchFamily="2" charset="-122"/>
+                <a:cs typeface="Times New Roman" panose="02020603050405020304" pitchFamily="18" charset="0"/>
+              </a:rPr>
+              <a:t>The coder LLM generates code from the problem description. The communicator LLM detects the parts with low confidence where questions may help to get additional information from the user. Then the communicator asks clarifying questions and gets the response. Finally, the communicator send the response back to the coder to refine the generated code. The process can be repeated until some condition is met. </a:t>
+            </a:r>
+          </a:p>
           <a:p>
             <a:pPr marL="0" indent="0">
               <a:buFont typeface="Arial" panose="020B0604020202020204" pitchFamily="34" charset="0"/>
@@ -2629,24 +3435,68 @@
           <a:bodyPr/>
           <a:lstStyle/>
           <a:p>
-            <a:pPr marL="0" marR="0" lvl="0" indent="0" algn="l" defTabSz="914400" rtl="0" eaLnBrk="0" fontAlgn="base" latinLnBrk="0" hangingPunct="0">
-              <a:lnSpc>
-                <a:spcPct val="100000"/>
-              </a:lnSpc>
+            <a:pPr marL="0" marR="0">
               <a:spcBef>
-                <a:spcPct val="30000"/>
+                <a:spcPts val="0"/>
               </a:spcBef>
               <a:spcAft>
-                <a:spcPct val="0"/>
+                <a:spcPts val="0"/>
               </a:spcAft>
-              <a:buClrTx/>
-              <a:buSzTx/>
-              <a:buFontTx/>
-              <a:buNone/>
-              <a:tabLst/>
-              <a:defRPr/>
             </a:pPr>
-            <a:endParaRPr lang="en-US" dirty="0"/>
+            <a:r>
+              <a:rPr lang="en-US" sz="1800" dirty="0">
+                <a:effectLst/>
+                <a:latin typeface="Calibri" panose="020F0502020204030204" pitchFamily="34" charset="0"/>
+                <a:ea typeface="DengXian" panose="02010600030101010101" pitchFamily="2" charset="-122"/>
+                <a:cs typeface="Times New Roman" panose="02020603050405020304" pitchFamily="18" charset="0"/>
+              </a:rPr>
+              <a:t>6. Here is an example, in which we use ChatGPT 3.5 as the LLM</a:t>
+            </a:r>
+            <a:r>
+              <a:rPr lang="en-US" altLang="zh-CN" sz="1800" dirty="0">
+                <a:effectLst/>
+                <a:latin typeface="Calibri" panose="020F0502020204030204" pitchFamily="34" charset="0"/>
+                <a:ea typeface="DengXian" panose="02010600030101010101" pitchFamily="2" charset="-122"/>
+                <a:cs typeface="Times New Roman" panose="02020603050405020304" pitchFamily="18" charset="0"/>
+              </a:rPr>
+              <a:t>.</a:t>
+            </a:r>
+            <a:r>
+              <a:rPr lang="zh-CN" altLang="en-US" sz="1800" dirty="0">
+                <a:effectLst/>
+                <a:latin typeface="Calibri" panose="020F0502020204030204" pitchFamily="34" charset="0"/>
+                <a:ea typeface="DengXian" panose="02010600030101010101" pitchFamily="2" charset="-122"/>
+                <a:cs typeface="Times New Roman" panose="02020603050405020304" pitchFamily="18" charset="0"/>
+              </a:rPr>
+              <a:t> </a:t>
+            </a:r>
+            <a:r>
+              <a:rPr lang="en-US" sz="1800" dirty="0">
+                <a:effectLst/>
+                <a:latin typeface="Calibri" panose="020F0502020204030204" pitchFamily="34" charset="0"/>
+                <a:ea typeface="DengXian" panose="02010600030101010101" pitchFamily="2" charset="-122"/>
+                <a:cs typeface="Times New Roman" panose="02020603050405020304" pitchFamily="18" charset="0"/>
+              </a:rPr>
+              <a:t>A user is looking for a code snippet to return n-</a:t>
+            </a:r>
+            <a:r>
+              <a:rPr lang="en-US" sz="1800" dirty="0" err="1">
+                <a:effectLst/>
+                <a:latin typeface="Calibri" panose="020F0502020204030204" pitchFamily="34" charset="0"/>
+                <a:ea typeface="DengXian" panose="02010600030101010101" pitchFamily="2" charset="-122"/>
+                <a:cs typeface="Times New Roman" panose="02020603050405020304" pitchFamily="18" charset="0"/>
+              </a:rPr>
+              <a:t>th</a:t>
+            </a:r>
+            <a:r>
+              <a:rPr lang="en-US" sz="1800" dirty="0">
+                <a:effectLst/>
+                <a:latin typeface="Calibri" panose="020F0502020204030204" pitchFamily="34" charset="0"/>
+                <a:ea typeface="DengXian" panose="02010600030101010101" pitchFamily="2" charset="-122"/>
+                <a:cs typeface="Times New Roman" panose="02020603050405020304" pitchFamily="18" charset="0"/>
+              </a:rPr>
+              <a:t> Fibonacci number. In step 1 , the coder LLM first generated an initial code snippet. In step 2, the communicator analyzed the problem description and the initial code to generate some clarifying questions such as how to handle the negative input. In step 3, the user replied: throw exception on negative inputs. Finally, the coder used this additional information from user to refine the code which add the exception when n is negative. </a:t>
+            </a:r>
           </a:p>
         </p:txBody>
       </p:sp>
@@ -2731,6 +3581,44 @@
           <a:bodyPr/>
           <a:lstStyle/>
           <a:p>
+            <a:pPr marL="0" marR="0">
+              <a:spcBef>
+                <a:spcPts val="0"/>
+              </a:spcBef>
+              <a:spcAft>
+                <a:spcPts val="0"/>
+              </a:spcAft>
+            </a:pPr>
+            <a:r>
+              <a:rPr lang="en-US" sz="1800" dirty="0">
+                <a:effectLst/>
+                <a:latin typeface="Calibri" panose="020F0502020204030204" pitchFamily="34" charset="0"/>
+                <a:ea typeface="DengXian" panose="02010600030101010101" pitchFamily="2" charset="-122"/>
+                <a:cs typeface="Times New Roman" panose="02020603050405020304" pitchFamily="18" charset="0"/>
+              </a:rPr>
+              <a:t>7. The communicator uses one-shot prompting to generate the clarifying questions from the problem description and the code. The example of prompt is on the left side. The output of the prompt is on the right table.</a:t>
+            </a:r>
+          </a:p>
+          <a:p>
+            <a:pPr marL="0" marR="0">
+              <a:spcBef>
+                <a:spcPts val="0"/>
+              </a:spcBef>
+              <a:spcAft>
+                <a:spcPts val="0"/>
+              </a:spcAft>
+            </a:pPr>
+            <a:r>
+              <a:rPr lang="en-US" sz="1800" dirty="0">
+                <a:effectLst/>
+                <a:latin typeface="Calibri" panose="020F0502020204030204" pitchFamily="34" charset="0"/>
+                <a:ea typeface="DengXian" panose="02010600030101010101" pitchFamily="2" charset="-122"/>
+                <a:cs typeface="Times New Roman" panose="02020603050405020304" pitchFamily="18" charset="0"/>
+              </a:rPr>
+              <a:t>With the simple one-shot prompt, we can see the communicator is already able to cover a number of topics that deserve asking questions. This indicates big potential that boosting communication skills can lead to improvements of the final code output in several topics such as error handling, input validation, documentation, etc. </a:t>
+            </a:r>
+          </a:p>
+          <a:p>
             <a:pPr marL="0" marR="0" lvl="0" indent="0" algn="l" defTabSz="914400" rtl="0" eaLnBrk="0" fontAlgn="base" latinLnBrk="0" hangingPunct="0">
               <a:lnSpc>
                 <a:spcPct val="100000"/>
@@ -2831,9 +3719,37 @@
         <p:spPr/>
         <p:txBody>
           <a:bodyPr>
-            <a:normAutofit/>
+            <a:normAutofit fontScale="92500" lnSpcReduction="20000"/>
           </a:bodyPr>
           <a:lstStyle/>
+          <a:p>
+            <a:pPr marL="0" marR="0" lvl="0" indent="0" algn="l" defTabSz="914400" rtl="0" eaLnBrk="0" fontAlgn="base" latinLnBrk="0" hangingPunct="0">
+              <a:lnSpc>
+                <a:spcPct val="100000"/>
+              </a:lnSpc>
+              <a:spcBef>
+                <a:spcPct val="30000"/>
+              </a:spcBef>
+              <a:spcAft>
+                <a:spcPct val="0"/>
+              </a:spcAft>
+              <a:buClrTx/>
+              <a:buSzTx/>
+              <a:buFontTx/>
+              <a:buNone/>
+              <a:tabLst/>
+              <a:defRPr/>
+            </a:pPr>
+            <a:r>
+              <a:rPr lang="en-US" sz="1800" dirty="0">
+                <a:effectLst/>
+                <a:latin typeface="Calibri" panose="020F0502020204030204" pitchFamily="34" charset="0"/>
+                <a:ea typeface="DengXian" panose="02010600030101010101" pitchFamily="2" charset="-122"/>
+                <a:cs typeface="Times New Roman" panose="02020603050405020304" pitchFamily="18" charset="0"/>
+              </a:rPr>
+              <a:t>8. So far I have showed this comm. centered process that has potential to increase the communication skills of the Code LLM  by asking clarifying questions. Naturally, the next question is How to effectively evaluate the degree of Code LLM’s communication skills so that we can compare different models? This part of work has not been formally published yet. For this question, let’s again compare software engineer and LLM. I’ve been a software engineer at Snap and MSFT for several years. When I interview a candidate, to evaluate the candidate’s communication skill, I would remove some key information from the problem description. And then see if the candidate ask clarifying question. This technique was also used by other interviewers. So the idea here is to apply this technique to LLM as well. First, certain parts of problem description are removed randomly. Second, check if LLM ask clarifying questions. Techniques similar to this are also used in the field of NLP to better understand the model performance. </a:t>
+            </a:r>
+          </a:p>
           <a:p>
             <a:pPr marL="0" marR="0" lvl="0" indent="0" algn="l" defTabSz="914400" rtl="0" eaLnBrk="0" fontAlgn="base" latinLnBrk="0" hangingPunct="0">
               <a:lnSpc>
@@ -2936,6 +3852,103 @@
         <p:txBody>
           <a:bodyPr/>
           <a:lstStyle/>
+          <a:p>
+            <a:pPr marL="0" marR="0" lvl="0" indent="0" algn="l" defTabSz="914400" rtl="0" eaLnBrk="0" fontAlgn="base" latinLnBrk="0" hangingPunct="0">
+              <a:lnSpc>
+                <a:spcPct val="100000"/>
+              </a:lnSpc>
+              <a:spcBef>
+                <a:spcPct val="30000"/>
+              </a:spcBef>
+              <a:spcAft>
+                <a:spcPct val="0"/>
+              </a:spcAft>
+              <a:buClrTx/>
+              <a:buSzTx/>
+              <a:buFontTx/>
+              <a:buNone/>
+              <a:tabLst/>
+              <a:defRPr/>
+            </a:pPr>
+            <a:r>
+              <a:rPr lang="en-US" sz="1800" dirty="0">
+                <a:effectLst/>
+                <a:latin typeface="Calibri" panose="020F0502020204030204" pitchFamily="34" charset="0"/>
+                <a:ea typeface="DengXian" panose="02010600030101010101" pitchFamily="2" charset="-122"/>
+                <a:cs typeface="Times New Roman" panose="02020603050405020304" pitchFamily="18" charset="0"/>
+              </a:rPr>
+              <a:t>9. And by doing this, a new benchmark, called </a:t>
+            </a:r>
+            <a:r>
+              <a:rPr lang="en-US" sz="1800" dirty="0" err="1">
+                <a:effectLst/>
+                <a:latin typeface="Calibri" panose="020F0502020204030204" pitchFamily="34" charset="0"/>
+                <a:ea typeface="DengXian" panose="02010600030101010101" pitchFamily="2" charset="-122"/>
+                <a:cs typeface="Times New Roman" panose="02020603050405020304" pitchFamily="18" charset="0"/>
+              </a:rPr>
+              <a:t>HumanEval</a:t>
+            </a:r>
+            <a:r>
+              <a:rPr lang="en-US" sz="1800" dirty="0">
+                <a:effectLst/>
+                <a:latin typeface="Calibri" panose="020F0502020204030204" pitchFamily="34" charset="0"/>
+                <a:ea typeface="DengXian" panose="02010600030101010101" pitchFamily="2" charset="-122"/>
+                <a:cs typeface="Times New Roman" panose="02020603050405020304" pitchFamily="18" charset="0"/>
+              </a:rPr>
+              <a:t>-C</a:t>
+            </a:r>
+            <a:r>
+              <a:rPr lang="en-US" altLang="zh-CN" sz="1800" dirty="0">
+                <a:effectLst/>
+                <a:latin typeface="Calibri" panose="020F0502020204030204" pitchFamily="34" charset="0"/>
+                <a:ea typeface="DengXian" panose="02010600030101010101" pitchFamily="2" charset="-122"/>
+                <a:cs typeface="Times New Roman" panose="02020603050405020304" pitchFamily="18" charset="0"/>
+              </a:rPr>
+              <a:t>,</a:t>
+            </a:r>
+            <a:r>
+              <a:rPr lang="zh-CN" altLang="en-US" sz="1800" dirty="0">
+                <a:effectLst/>
+                <a:latin typeface="Calibri" panose="020F0502020204030204" pitchFamily="34" charset="0"/>
+                <a:ea typeface="DengXian" panose="02010600030101010101" pitchFamily="2" charset="-122"/>
+                <a:cs typeface="Times New Roman" panose="02020603050405020304" pitchFamily="18" charset="0"/>
+              </a:rPr>
+              <a:t> </a:t>
+            </a:r>
+            <a:r>
+              <a:rPr lang="en-US" altLang="zh-CN" sz="1800" dirty="0">
+                <a:effectLst/>
+                <a:latin typeface="Calibri" panose="020F0502020204030204" pitchFamily="34" charset="0"/>
+                <a:ea typeface="DengXian" panose="02010600030101010101" pitchFamily="2" charset="-122"/>
+                <a:cs typeface="Times New Roman" panose="02020603050405020304" pitchFamily="18" charset="0"/>
+              </a:rPr>
+              <a:t>is</a:t>
+            </a:r>
+            <a:r>
+              <a:rPr lang="zh-CN" altLang="en-US" sz="1800" dirty="0">
+                <a:effectLst/>
+                <a:latin typeface="Calibri" panose="020F0502020204030204" pitchFamily="34" charset="0"/>
+                <a:ea typeface="DengXian" panose="02010600030101010101" pitchFamily="2" charset="-122"/>
+                <a:cs typeface="Times New Roman" panose="02020603050405020304" pitchFamily="18" charset="0"/>
+              </a:rPr>
+              <a:t> </a:t>
+            </a:r>
+            <a:r>
+              <a:rPr lang="en-US" altLang="zh-CN" sz="1800" dirty="0">
+                <a:effectLst/>
+                <a:latin typeface="Calibri" panose="020F0502020204030204" pitchFamily="34" charset="0"/>
+                <a:ea typeface="DengXian" panose="02010600030101010101" pitchFamily="2" charset="-122"/>
+                <a:cs typeface="Times New Roman" panose="02020603050405020304" pitchFamily="18" charset="0"/>
+              </a:rPr>
+              <a:t>created</a:t>
+            </a:r>
+            <a:endParaRPr lang="en-US" sz="1800" dirty="0">
+              <a:effectLst/>
+              <a:latin typeface="Calibri" panose="020F0502020204030204" pitchFamily="34" charset="0"/>
+              <a:ea typeface="DengXian" panose="02010600030101010101" pitchFamily="2" charset="-122"/>
+              <a:cs typeface="Times New Roman" panose="02020603050405020304" pitchFamily="18" charset="0"/>
+            </a:endParaRPr>
+          </a:p>
           <a:p>
             <a:endParaRPr lang="en-US" altLang="zh-CN" dirty="0"/>
           </a:p>
@@ -6800,16 +7813,7 @@
                 </a:solidFill>
                 <a:ea typeface="ヒラギノ角ゴ Pro W3" charset="-128"/>
               </a:rPr>
-              <a:t>      @jw_ _</a:t>
-            </a:r>
-            <a:r>
-              <a:rPr lang="en-US" sz="1800" dirty="0" err="1">
-                <a:solidFill>
-                  <a:schemeClr val="tx1"/>
-                </a:solidFill>
-                <a:ea typeface="ヒラギノ角ゴ Pro W3" charset="-128"/>
-              </a:rPr>
-              <a:t>wu</a:t>
+              <a:t>      @jw_ _wu</a:t>
             </a:r>
             <a:br>
               <a:rPr lang="en-US" sz="1800" dirty="0">
@@ -7211,12 +8215,12 @@
   <p:clrMapOvr>
     <a:masterClrMapping/>
   </p:clrMapOvr>
-  <mc:AlternateContent xmlns:mc="http://schemas.openxmlformats.org/markup-compatibility/2006" xmlns:p14="http://schemas.microsoft.com/office/powerpoint/2010/main">
-    <mc:Choice Requires="p14">
-      <p:transition spd="slow" p14:dur="2000" advTm="1418"/>
+  <mc:AlternateContent xmlns:mc="http://schemas.openxmlformats.org/markup-compatibility/2006">
+    <mc:Choice xmlns:p14="http://schemas.microsoft.com/office/powerpoint/2010/main" Requires="p14">
+      <p:transition spd="slow" p14:dur="2000" advTm="7451"/>
     </mc:Choice>
-    <mc:Fallback xmlns="">
-      <p:transition spd="slow" advTm="1418"/>
+    <mc:Fallback>
+      <p:transition spd="slow" advTm="7451"/>
     </mc:Fallback>
   </mc:AlternateContent>
 </p:sld>
@@ -10172,8 +11176,8 @@
         </p:nvSpPr>
         <p:spPr>
           <a:xfrm rot="1335819">
-            <a:off x="6081698" y="3018345"/>
-            <a:ext cx="2840885" cy="923330"/>
+            <a:off x="6081698" y="2879846"/>
+            <a:ext cx="2840885" cy="1200329"/>
           </a:xfrm>
           <a:prstGeom prst="rect">
             <a:avLst/>
@@ -10251,11 +11255,26 @@
               </a:rPr>
               <a:t>available</a:t>
             </a:r>
-            <a:endParaRPr lang="en-US" b="1" i="1" dirty="0">
-              <a:solidFill>
-                <a:srgbClr val="7030A0"/>
-              </a:solidFill>
-            </a:endParaRPr>
+          </a:p>
+          <a:p>
+            <a:r>
+              <a:rPr lang="zh-CN" altLang="en-US" sz="1800" dirty="0">
+                <a:solidFill>
+                  <a:schemeClr val="tx1"/>
+                </a:solidFill>
+                <a:ea typeface="ヒラギノ角ゴ Pro W3" charset="-128"/>
+              </a:rPr>
+              <a:t>      </a:t>
+            </a:r>
+            <a:r>
+              <a:rPr lang="en-US" b="1" i="1" dirty="0">
+                <a:solidFill>
+                  <a:srgbClr val="7030A0"/>
+                </a:solidFill>
+                <a:latin typeface="+mj-lt"/>
+              </a:rPr>
+              <a:t>@jw_ _wu</a:t>
+            </a:r>
           </a:p>
         </p:txBody>
       </p:sp>
@@ -10375,6 +11394,45 @@
           </a:p>
         </p:txBody>
       </p:sp>
+      <p:pic>
+        <p:nvPicPr>
+          <p:cNvPr id="13" name="Picture 12" descr="A blue bird with black background&#10;&#10;Description automatically generated">
+            <a:extLst>
+              <a:ext uri="{FF2B5EF4-FFF2-40B4-BE49-F238E27FC236}">
+                <a16:creationId xmlns:a16="http://schemas.microsoft.com/office/drawing/2014/main" id="{7E14057D-A8E9-5549-947D-EDBAE37129C6}"/>
+              </a:ext>
+            </a:extLst>
+          </p:cNvPr>
+          <p:cNvPicPr>
+            <a:picLocks noChangeAspect="1"/>
+          </p:cNvPicPr>
+          <p:nvPr/>
+        </p:nvPicPr>
+        <p:blipFill>
+          <a:blip r:embed="rId5">
+            <a:extLst>
+              <a:ext uri="{28A0092B-C50C-407E-A947-70E740481C1C}">
+                <a14:useLocalDpi xmlns:a14="http://schemas.microsoft.com/office/drawing/2010/main" val="0"/>
+              </a:ext>
+              <a:ext uri="{837473B0-CC2E-450A-ABE3-18F120FF3D39}">
+                <a1611:picAttrSrcUrl xmlns:a1611="http://schemas.microsoft.com/office/drawing/2016/11/main" r:id="rId6"/>
+              </a:ext>
+            </a:extLst>
+          </a:blip>
+          <a:stretch>
+            <a:fillRect/>
+          </a:stretch>
+        </p:blipFill>
+        <p:spPr>
+          <a:xfrm rot="1230723">
+            <a:off x="6160432" y="3337314"/>
+            <a:ext cx="292422" cy="238324"/>
+          </a:xfrm>
+          <a:prstGeom prst="rect">
+            <a:avLst/>
+          </a:prstGeom>
+        </p:spPr>
+      </p:pic>
     </p:spTree>
     <p:extLst>
       <p:ext uri="{BB962C8B-B14F-4D97-AF65-F5344CB8AC3E}">
